--- a/ppt 16-9/0451.走吧！我们走吧.pptx
+++ b/ppt 16-9/0451.走吧！我们走吧.pptx
@@ -129,7 +129,7 @@
           <p:cNvPr id="2" name="标题 1">
             <a:extLst>
               <a:ext uri="{FF2B5EF4-FFF2-40B4-BE49-F238E27FC236}">
-                <a16:creationId xmlns:a16="http://schemas.microsoft.com/office/drawing/2014/main" id="{762635C6-28CE-3790-1E01-BC7B1640DDF4}"/>
+                <a16:creationId xmlns:a16="http://schemas.microsoft.com/office/drawing/2014/main" id="{23191C23-674E-8A69-C16C-45629B0CB8EA}"/>
               </a:ext>
             </a:extLst>
           </p:cNvPr>
@@ -166,7 +166,7 @@
           <p:cNvPr id="3" name="副标题 2">
             <a:extLst>
               <a:ext uri="{FF2B5EF4-FFF2-40B4-BE49-F238E27FC236}">
-                <a16:creationId xmlns:a16="http://schemas.microsoft.com/office/drawing/2014/main" id="{22F4E3E0-32D1-2C67-3171-62A46213F8F6}"/>
+                <a16:creationId xmlns:a16="http://schemas.microsoft.com/office/drawing/2014/main" id="{649E31E7-FEC5-D1B8-B43C-F49FE65D6485}"/>
               </a:ext>
             </a:extLst>
           </p:cNvPr>
@@ -236,7 +236,7 @@
           <p:cNvPr id="4" name="日期占位符 3">
             <a:extLst>
               <a:ext uri="{FF2B5EF4-FFF2-40B4-BE49-F238E27FC236}">
-                <a16:creationId xmlns:a16="http://schemas.microsoft.com/office/drawing/2014/main" id="{F08A09E2-3722-0EF2-D06D-747C31E3A26D}"/>
+                <a16:creationId xmlns:a16="http://schemas.microsoft.com/office/drawing/2014/main" id="{D1A4302C-49C9-3629-3127-7981E77F506C}"/>
               </a:ext>
             </a:extLst>
           </p:cNvPr>
@@ -252,7 +252,7 @@
           <a:bodyPr/>
           <a:lstStyle/>
           <a:p>
-            <a:fld id="{3CA46C46-19C0-4A42-83BB-EC1BBE2C83BE}" type="datetimeFigureOut">
+            <a:fld id="{B6AD2366-5F49-4742-9D74-2314FE3AC7A5}" type="datetimeFigureOut">
               <a:rPr lang="zh-CN" altLang="en-US" smtClean="0"/>
               <a:t>2024/3/10</a:t>
             </a:fld>
@@ -265,7 +265,7 @@
           <p:cNvPr id="5" name="页脚占位符 4">
             <a:extLst>
               <a:ext uri="{FF2B5EF4-FFF2-40B4-BE49-F238E27FC236}">
-                <a16:creationId xmlns:a16="http://schemas.microsoft.com/office/drawing/2014/main" id="{26EB76B9-AC78-0585-82B5-406739F4D373}"/>
+                <a16:creationId xmlns:a16="http://schemas.microsoft.com/office/drawing/2014/main" id="{E92590BF-DC17-3C7E-F524-968001E542AC}"/>
               </a:ext>
             </a:extLst>
           </p:cNvPr>
@@ -290,7 +290,7 @@
           <p:cNvPr id="6" name="灯片编号占位符 5">
             <a:extLst>
               <a:ext uri="{FF2B5EF4-FFF2-40B4-BE49-F238E27FC236}">
-                <a16:creationId xmlns:a16="http://schemas.microsoft.com/office/drawing/2014/main" id="{51406756-932F-DA7B-5C9B-BDD842DBDB7E}"/>
+                <a16:creationId xmlns:a16="http://schemas.microsoft.com/office/drawing/2014/main" id="{B6C02287-47C6-86F2-63DF-2FDAD54D8393}"/>
               </a:ext>
             </a:extLst>
           </p:cNvPr>
@@ -306,7 +306,7 @@
           <a:bodyPr/>
           <a:lstStyle/>
           <a:p>
-            <a:fld id="{F8EFA07D-8FA0-4AD7-91DF-584A3C07BCA7}" type="slidenum">
+            <a:fld id="{ADBF0754-ED59-41F8-91E5-3C7CF2068D79}" type="slidenum">
               <a:rPr lang="zh-CN" altLang="en-US" smtClean="0"/>
               <a:t>‹#›</a:t>
             </a:fld>
@@ -317,7 +317,7 @@
     </p:spTree>
     <p:extLst>
       <p:ext uri="{BB962C8B-B14F-4D97-AF65-F5344CB8AC3E}">
-        <p14:creationId xmlns:p14="http://schemas.microsoft.com/office/powerpoint/2010/main" val="2138916276"/>
+        <p14:creationId xmlns:p14="http://schemas.microsoft.com/office/powerpoint/2010/main" val="589985017"/>
       </p:ext>
     </p:extLst>
   </p:cSld>
@@ -349,7 +349,7 @@
           <p:cNvPr id="2" name="标题 1">
             <a:extLst>
               <a:ext uri="{FF2B5EF4-FFF2-40B4-BE49-F238E27FC236}">
-                <a16:creationId xmlns:a16="http://schemas.microsoft.com/office/drawing/2014/main" id="{3D4DB79D-3034-85B3-6F01-76032A1FE3A2}"/>
+                <a16:creationId xmlns:a16="http://schemas.microsoft.com/office/drawing/2014/main" id="{EE12BA4D-169E-02A1-8BDE-5E31CE48E1D2}"/>
               </a:ext>
             </a:extLst>
           </p:cNvPr>
@@ -377,7 +377,7 @@
           <p:cNvPr id="3" name="竖排文字占位符 2">
             <a:extLst>
               <a:ext uri="{FF2B5EF4-FFF2-40B4-BE49-F238E27FC236}">
-                <a16:creationId xmlns:a16="http://schemas.microsoft.com/office/drawing/2014/main" id="{8D32C7C1-D5DA-D731-BEC8-8D92EE7BAFF9}"/>
+                <a16:creationId xmlns:a16="http://schemas.microsoft.com/office/drawing/2014/main" id="{6EAAA7EE-B055-0B73-6CE2-A97149A7EBD5}"/>
               </a:ext>
             </a:extLst>
           </p:cNvPr>
@@ -434,7 +434,7 @@
           <p:cNvPr id="4" name="日期占位符 3">
             <a:extLst>
               <a:ext uri="{FF2B5EF4-FFF2-40B4-BE49-F238E27FC236}">
-                <a16:creationId xmlns:a16="http://schemas.microsoft.com/office/drawing/2014/main" id="{311E18D7-8354-58BB-CE76-F12D51A9BEF4}"/>
+                <a16:creationId xmlns:a16="http://schemas.microsoft.com/office/drawing/2014/main" id="{4EFA02DF-614A-AC5D-1EB4-54B17139A4FE}"/>
               </a:ext>
             </a:extLst>
           </p:cNvPr>
@@ -450,7 +450,7 @@
           <a:bodyPr/>
           <a:lstStyle/>
           <a:p>
-            <a:fld id="{3CA46C46-19C0-4A42-83BB-EC1BBE2C83BE}" type="datetimeFigureOut">
+            <a:fld id="{B6AD2366-5F49-4742-9D74-2314FE3AC7A5}" type="datetimeFigureOut">
               <a:rPr lang="zh-CN" altLang="en-US" smtClean="0"/>
               <a:t>2024/3/10</a:t>
             </a:fld>
@@ -463,7 +463,7 @@
           <p:cNvPr id="5" name="页脚占位符 4">
             <a:extLst>
               <a:ext uri="{FF2B5EF4-FFF2-40B4-BE49-F238E27FC236}">
-                <a16:creationId xmlns:a16="http://schemas.microsoft.com/office/drawing/2014/main" id="{C636BDA1-95C3-9C2A-1DEE-0F2DAC8D0BCF}"/>
+                <a16:creationId xmlns:a16="http://schemas.microsoft.com/office/drawing/2014/main" id="{A367DA5F-3AD4-5394-5BEF-4DE6EE901B97}"/>
               </a:ext>
             </a:extLst>
           </p:cNvPr>
@@ -488,7 +488,7 @@
           <p:cNvPr id="6" name="灯片编号占位符 5">
             <a:extLst>
               <a:ext uri="{FF2B5EF4-FFF2-40B4-BE49-F238E27FC236}">
-                <a16:creationId xmlns:a16="http://schemas.microsoft.com/office/drawing/2014/main" id="{8646BD9B-3116-B38D-F01B-192B69E8410A}"/>
+                <a16:creationId xmlns:a16="http://schemas.microsoft.com/office/drawing/2014/main" id="{0916E84E-AED5-5BA2-8F3A-AFD31CD01EF2}"/>
               </a:ext>
             </a:extLst>
           </p:cNvPr>
@@ -504,7 +504,7 @@
           <a:bodyPr/>
           <a:lstStyle/>
           <a:p>
-            <a:fld id="{F8EFA07D-8FA0-4AD7-91DF-584A3C07BCA7}" type="slidenum">
+            <a:fld id="{ADBF0754-ED59-41F8-91E5-3C7CF2068D79}" type="slidenum">
               <a:rPr lang="zh-CN" altLang="en-US" smtClean="0"/>
               <a:t>‹#›</a:t>
             </a:fld>
@@ -515,7 +515,7 @@
     </p:spTree>
     <p:extLst>
       <p:ext uri="{BB962C8B-B14F-4D97-AF65-F5344CB8AC3E}">
-        <p14:creationId xmlns:p14="http://schemas.microsoft.com/office/powerpoint/2010/main" val="2833993535"/>
+        <p14:creationId xmlns:p14="http://schemas.microsoft.com/office/powerpoint/2010/main" val="3475394204"/>
       </p:ext>
     </p:extLst>
   </p:cSld>
@@ -547,7 +547,7 @@
           <p:cNvPr id="2" name="竖排标题 1">
             <a:extLst>
               <a:ext uri="{FF2B5EF4-FFF2-40B4-BE49-F238E27FC236}">
-                <a16:creationId xmlns:a16="http://schemas.microsoft.com/office/drawing/2014/main" id="{DBFF03BA-D1F9-9B6C-DBC2-1CFFB62BC5DA}"/>
+                <a16:creationId xmlns:a16="http://schemas.microsoft.com/office/drawing/2014/main" id="{B2F02BE0-3828-F7D2-DEA1-759559267E5E}"/>
               </a:ext>
             </a:extLst>
           </p:cNvPr>
@@ -580,7 +580,7 @@
           <p:cNvPr id="3" name="竖排文字占位符 2">
             <a:extLst>
               <a:ext uri="{FF2B5EF4-FFF2-40B4-BE49-F238E27FC236}">
-                <a16:creationId xmlns:a16="http://schemas.microsoft.com/office/drawing/2014/main" id="{99264B28-4CEB-DC02-3B1A-A3DC38CBB49B}"/>
+                <a16:creationId xmlns:a16="http://schemas.microsoft.com/office/drawing/2014/main" id="{0D3B859B-07DB-4915-06DE-BB6D313745FD}"/>
               </a:ext>
             </a:extLst>
           </p:cNvPr>
@@ -642,7 +642,7 @@
           <p:cNvPr id="4" name="日期占位符 3">
             <a:extLst>
               <a:ext uri="{FF2B5EF4-FFF2-40B4-BE49-F238E27FC236}">
-                <a16:creationId xmlns:a16="http://schemas.microsoft.com/office/drawing/2014/main" id="{FB239403-F6D0-868D-C4B3-7D9C131F074C}"/>
+                <a16:creationId xmlns:a16="http://schemas.microsoft.com/office/drawing/2014/main" id="{E1F064AA-54C2-0B20-3D7F-6E17E9758210}"/>
               </a:ext>
             </a:extLst>
           </p:cNvPr>
@@ -658,7 +658,7 @@
           <a:bodyPr/>
           <a:lstStyle/>
           <a:p>
-            <a:fld id="{3CA46C46-19C0-4A42-83BB-EC1BBE2C83BE}" type="datetimeFigureOut">
+            <a:fld id="{B6AD2366-5F49-4742-9D74-2314FE3AC7A5}" type="datetimeFigureOut">
               <a:rPr lang="zh-CN" altLang="en-US" smtClean="0"/>
               <a:t>2024/3/10</a:t>
             </a:fld>
@@ -671,7 +671,7 @@
           <p:cNvPr id="5" name="页脚占位符 4">
             <a:extLst>
               <a:ext uri="{FF2B5EF4-FFF2-40B4-BE49-F238E27FC236}">
-                <a16:creationId xmlns:a16="http://schemas.microsoft.com/office/drawing/2014/main" id="{184B7D7E-DFF7-BC53-5D2C-68AFCE2DA7D4}"/>
+                <a16:creationId xmlns:a16="http://schemas.microsoft.com/office/drawing/2014/main" id="{3A2779BE-8FD2-A424-3906-A1F4C08E63D1}"/>
               </a:ext>
             </a:extLst>
           </p:cNvPr>
@@ -696,7 +696,7 @@
           <p:cNvPr id="6" name="灯片编号占位符 5">
             <a:extLst>
               <a:ext uri="{FF2B5EF4-FFF2-40B4-BE49-F238E27FC236}">
-                <a16:creationId xmlns:a16="http://schemas.microsoft.com/office/drawing/2014/main" id="{E57A799B-CC57-9A68-4C0A-3E1733CDF41F}"/>
+                <a16:creationId xmlns:a16="http://schemas.microsoft.com/office/drawing/2014/main" id="{2DA9ECF1-08C3-1D65-1347-72C7104C1625}"/>
               </a:ext>
             </a:extLst>
           </p:cNvPr>
@@ -712,7 +712,7 @@
           <a:bodyPr/>
           <a:lstStyle/>
           <a:p>
-            <a:fld id="{F8EFA07D-8FA0-4AD7-91DF-584A3C07BCA7}" type="slidenum">
+            <a:fld id="{ADBF0754-ED59-41F8-91E5-3C7CF2068D79}" type="slidenum">
               <a:rPr lang="zh-CN" altLang="en-US" smtClean="0"/>
               <a:t>‹#›</a:t>
             </a:fld>
@@ -723,7 +723,7 @@
     </p:spTree>
     <p:extLst>
       <p:ext uri="{BB962C8B-B14F-4D97-AF65-F5344CB8AC3E}">
-        <p14:creationId xmlns:p14="http://schemas.microsoft.com/office/powerpoint/2010/main" val="2799963149"/>
+        <p14:creationId xmlns:p14="http://schemas.microsoft.com/office/powerpoint/2010/main" val="1169287796"/>
       </p:ext>
     </p:extLst>
   </p:cSld>
@@ -755,7 +755,7 @@
           <p:cNvPr id="2" name="标题 1">
             <a:extLst>
               <a:ext uri="{FF2B5EF4-FFF2-40B4-BE49-F238E27FC236}">
-                <a16:creationId xmlns:a16="http://schemas.microsoft.com/office/drawing/2014/main" id="{9E6360AE-FF29-1D78-60D6-F384BCB1FE16}"/>
+                <a16:creationId xmlns:a16="http://schemas.microsoft.com/office/drawing/2014/main" id="{447756B1-D2F5-00F4-9754-51F28D8947F2}"/>
               </a:ext>
             </a:extLst>
           </p:cNvPr>
@@ -783,7 +783,7 @@
           <p:cNvPr id="3" name="内容占位符 2">
             <a:extLst>
               <a:ext uri="{FF2B5EF4-FFF2-40B4-BE49-F238E27FC236}">
-                <a16:creationId xmlns:a16="http://schemas.microsoft.com/office/drawing/2014/main" id="{1DC5E1B9-9E91-AFCC-613A-E87557A548AC}"/>
+                <a16:creationId xmlns:a16="http://schemas.microsoft.com/office/drawing/2014/main" id="{49473116-863D-EF69-BDAF-9C4C595A5225}"/>
               </a:ext>
             </a:extLst>
           </p:cNvPr>
@@ -840,7 +840,7 @@
           <p:cNvPr id="4" name="日期占位符 3">
             <a:extLst>
               <a:ext uri="{FF2B5EF4-FFF2-40B4-BE49-F238E27FC236}">
-                <a16:creationId xmlns:a16="http://schemas.microsoft.com/office/drawing/2014/main" id="{0E4D3D25-A06F-3BE6-7AA9-4BE8A7857805}"/>
+                <a16:creationId xmlns:a16="http://schemas.microsoft.com/office/drawing/2014/main" id="{199332E4-5B3D-4D75-332B-3A6F7C2956B5}"/>
               </a:ext>
             </a:extLst>
           </p:cNvPr>
@@ -856,7 +856,7 @@
           <a:bodyPr/>
           <a:lstStyle/>
           <a:p>
-            <a:fld id="{3CA46C46-19C0-4A42-83BB-EC1BBE2C83BE}" type="datetimeFigureOut">
+            <a:fld id="{B6AD2366-5F49-4742-9D74-2314FE3AC7A5}" type="datetimeFigureOut">
               <a:rPr lang="zh-CN" altLang="en-US" smtClean="0"/>
               <a:t>2024/3/10</a:t>
             </a:fld>
@@ -869,7 +869,7 @@
           <p:cNvPr id="5" name="页脚占位符 4">
             <a:extLst>
               <a:ext uri="{FF2B5EF4-FFF2-40B4-BE49-F238E27FC236}">
-                <a16:creationId xmlns:a16="http://schemas.microsoft.com/office/drawing/2014/main" id="{C87852E5-1CFB-D737-9D2F-DA23F76BADF3}"/>
+                <a16:creationId xmlns:a16="http://schemas.microsoft.com/office/drawing/2014/main" id="{06E234D9-5C6D-CEAD-3E6F-12A0C387EBB6}"/>
               </a:ext>
             </a:extLst>
           </p:cNvPr>
@@ -894,7 +894,7 @@
           <p:cNvPr id="6" name="灯片编号占位符 5">
             <a:extLst>
               <a:ext uri="{FF2B5EF4-FFF2-40B4-BE49-F238E27FC236}">
-                <a16:creationId xmlns:a16="http://schemas.microsoft.com/office/drawing/2014/main" id="{B03A1AFF-D03F-D7EF-5C24-37C018BEB94F}"/>
+                <a16:creationId xmlns:a16="http://schemas.microsoft.com/office/drawing/2014/main" id="{98A8CCA7-0D3A-D058-51CA-C9F8AAB74717}"/>
               </a:ext>
             </a:extLst>
           </p:cNvPr>
@@ -910,7 +910,7 @@
           <a:bodyPr/>
           <a:lstStyle/>
           <a:p>
-            <a:fld id="{F8EFA07D-8FA0-4AD7-91DF-584A3C07BCA7}" type="slidenum">
+            <a:fld id="{ADBF0754-ED59-41F8-91E5-3C7CF2068D79}" type="slidenum">
               <a:rPr lang="zh-CN" altLang="en-US" smtClean="0"/>
               <a:t>‹#›</a:t>
             </a:fld>
@@ -921,7 +921,7 @@
     </p:spTree>
     <p:extLst>
       <p:ext uri="{BB962C8B-B14F-4D97-AF65-F5344CB8AC3E}">
-        <p14:creationId xmlns:p14="http://schemas.microsoft.com/office/powerpoint/2010/main" val="757810235"/>
+        <p14:creationId xmlns:p14="http://schemas.microsoft.com/office/powerpoint/2010/main" val="1468231032"/>
       </p:ext>
     </p:extLst>
   </p:cSld>
@@ -953,7 +953,7 @@
           <p:cNvPr id="2" name="标题 1">
             <a:extLst>
               <a:ext uri="{FF2B5EF4-FFF2-40B4-BE49-F238E27FC236}">
-                <a16:creationId xmlns:a16="http://schemas.microsoft.com/office/drawing/2014/main" id="{5C9B581A-D2FC-AF14-AE2E-FE5BF289185C}"/>
+                <a16:creationId xmlns:a16="http://schemas.microsoft.com/office/drawing/2014/main" id="{0B607697-A397-BAB9-95D5-8A582603C1AF}"/>
               </a:ext>
             </a:extLst>
           </p:cNvPr>
@@ -990,7 +990,7 @@
           <p:cNvPr id="3" name="文本占位符 2">
             <a:extLst>
               <a:ext uri="{FF2B5EF4-FFF2-40B4-BE49-F238E27FC236}">
-                <a16:creationId xmlns:a16="http://schemas.microsoft.com/office/drawing/2014/main" id="{741F9052-EB84-DC0C-322B-73A96C8DF55B}"/>
+                <a16:creationId xmlns:a16="http://schemas.microsoft.com/office/drawing/2014/main" id="{D75F8B17-1195-1AAC-39AB-47006C47C04E}"/>
               </a:ext>
             </a:extLst>
           </p:cNvPr>
@@ -1115,7 +1115,7 @@
           <p:cNvPr id="4" name="日期占位符 3">
             <a:extLst>
               <a:ext uri="{FF2B5EF4-FFF2-40B4-BE49-F238E27FC236}">
-                <a16:creationId xmlns:a16="http://schemas.microsoft.com/office/drawing/2014/main" id="{6C096080-A19D-F1D7-97C9-E9A1550E945E}"/>
+                <a16:creationId xmlns:a16="http://schemas.microsoft.com/office/drawing/2014/main" id="{D290A421-52B2-8AAA-AACC-78A1718EBF89}"/>
               </a:ext>
             </a:extLst>
           </p:cNvPr>
@@ -1131,7 +1131,7 @@
           <a:bodyPr/>
           <a:lstStyle/>
           <a:p>
-            <a:fld id="{3CA46C46-19C0-4A42-83BB-EC1BBE2C83BE}" type="datetimeFigureOut">
+            <a:fld id="{B6AD2366-5F49-4742-9D74-2314FE3AC7A5}" type="datetimeFigureOut">
               <a:rPr lang="zh-CN" altLang="en-US" smtClean="0"/>
               <a:t>2024/3/10</a:t>
             </a:fld>
@@ -1144,7 +1144,7 @@
           <p:cNvPr id="5" name="页脚占位符 4">
             <a:extLst>
               <a:ext uri="{FF2B5EF4-FFF2-40B4-BE49-F238E27FC236}">
-                <a16:creationId xmlns:a16="http://schemas.microsoft.com/office/drawing/2014/main" id="{CB46285B-2CD3-7452-B574-B3ABDAFA7374}"/>
+                <a16:creationId xmlns:a16="http://schemas.microsoft.com/office/drawing/2014/main" id="{51F3D92A-B5E3-6268-4B83-E6DF8B9F5EBD}"/>
               </a:ext>
             </a:extLst>
           </p:cNvPr>
@@ -1169,7 +1169,7 @@
           <p:cNvPr id="6" name="灯片编号占位符 5">
             <a:extLst>
               <a:ext uri="{FF2B5EF4-FFF2-40B4-BE49-F238E27FC236}">
-                <a16:creationId xmlns:a16="http://schemas.microsoft.com/office/drawing/2014/main" id="{191C8B2F-E728-402F-C462-0639F4EE4108}"/>
+                <a16:creationId xmlns:a16="http://schemas.microsoft.com/office/drawing/2014/main" id="{96B8E768-8B88-FB18-E3B2-C8FF89D9333C}"/>
               </a:ext>
             </a:extLst>
           </p:cNvPr>
@@ -1185,7 +1185,7 @@
           <a:bodyPr/>
           <a:lstStyle/>
           <a:p>
-            <a:fld id="{F8EFA07D-8FA0-4AD7-91DF-584A3C07BCA7}" type="slidenum">
+            <a:fld id="{ADBF0754-ED59-41F8-91E5-3C7CF2068D79}" type="slidenum">
               <a:rPr lang="zh-CN" altLang="en-US" smtClean="0"/>
               <a:t>‹#›</a:t>
             </a:fld>
@@ -1196,7 +1196,7 @@
     </p:spTree>
     <p:extLst>
       <p:ext uri="{BB962C8B-B14F-4D97-AF65-F5344CB8AC3E}">
-        <p14:creationId xmlns:p14="http://schemas.microsoft.com/office/powerpoint/2010/main" val="1368854915"/>
+        <p14:creationId xmlns:p14="http://schemas.microsoft.com/office/powerpoint/2010/main" val="1521966242"/>
       </p:ext>
     </p:extLst>
   </p:cSld>
@@ -1228,7 +1228,7 @@
           <p:cNvPr id="2" name="标题 1">
             <a:extLst>
               <a:ext uri="{FF2B5EF4-FFF2-40B4-BE49-F238E27FC236}">
-                <a16:creationId xmlns:a16="http://schemas.microsoft.com/office/drawing/2014/main" id="{23B84038-8FD5-FB6B-6BAD-17A4D12B69EB}"/>
+                <a16:creationId xmlns:a16="http://schemas.microsoft.com/office/drawing/2014/main" id="{9D5BF410-F79D-D4C5-1BC2-8C36D12BCB2F}"/>
               </a:ext>
             </a:extLst>
           </p:cNvPr>
@@ -1256,7 +1256,7 @@
           <p:cNvPr id="3" name="内容占位符 2">
             <a:extLst>
               <a:ext uri="{FF2B5EF4-FFF2-40B4-BE49-F238E27FC236}">
-                <a16:creationId xmlns:a16="http://schemas.microsoft.com/office/drawing/2014/main" id="{ECC7762B-F189-65D0-B419-837948984104}"/>
+                <a16:creationId xmlns:a16="http://schemas.microsoft.com/office/drawing/2014/main" id="{43BBE47D-8276-E872-5286-249F3243106D}"/>
               </a:ext>
             </a:extLst>
           </p:cNvPr>
@@ -1318,7 +1318,7 @@
           <p:cNvPr id="4" name="内容占位符 3">
             <a:extLst>
               <a:ext uri="{FF2B5EF4-FFF2-40B4-BE49-F238E27FC236}">
-                <a16:creationId xmlns:a16="http://schemas.microsoft.com/office/drawing/2014/main" id="{94CCBA0C-B1E3-5499-9687-4D99225BFF85}"/>
+                <a16:creationId xmlns:a16="http://schemas.microsoft.com/office/drawing/2014/main" id="{F97CDD2E-DB4E-95B4-B8D2-81F4A176AEF7}"/>
               </a:ext>
             </a:extLst>
           </p:cNvPr>
@@ -1380,7 +1380,7 @@
           <p:cNvPr id="5" name="日期占位符 4">
             <a:extLst>
               <a:ext uri="{FF2B5EF4-FFF2-40B4-BE49-F238E27FC236}">
-                <a16:creationId xmlns:a16="http://schemas.microsoft.com/office/drawing/2014/main" id="{8E09FB27-5FFE-8CF1-FC33-C9ED5495FA24}"/>
+                <a16:creationId xmlns:a16="http://schemas.microsoft.com/office/drawing/2014/main" id="{5D22D49F-18C5-324B-3769-5D8AD26A2606}"/>
               </a:ext>
             </a:extLst>
           </p:cNvPr>
@@ -1396,7 +1396,7 @@
           <a:bodyPr/>
           <a:lstStyle/>
           <a:p>
-            <a:fld id="{3CA46C46-19C0-4A42-83BB-EC1BBE2C83BE}" type="datetimeFigureOut">
+            <a:fld id="{B6AD2366-5F49-4742-9D74-2314FE3AC7A5}" type="datetimeFigureOut">
               <a:rPr lang="zh-CN" altLang="en-US" smtClean="0"/>
               <a:t>2024/3/10</a:t>
             </a:fld>
@@ -1409,7 +1409,7 @@
           <p:cNvPr id="6" name="页脚占位符 5">
             <a:extLst>
               <a:ext uri="{FF2B5EF4-FFF2-40B4-BE49-F238E27FC236}">
-                <a16:creationId xmlns:a16="http://schemas.microsoft.com/office/drawing/2014/main" id="{3775B2C9-CB6A-74A2-D0AC-6EF26F371619}"/>
+                <a16:creationId xmlns:a16="http://schemas.microsoft.com/office/drawing/2014/main" id="{32EC13EE-A334-4A90-B89A-B9BC822F45E8}"/>
               </a:ext>
             </a:extLst>
           </p:cNvPr>
@@ -1434,7 +1434,7 @@
           <p:cNvPr id="7" name="灯片编号占位符 6">
             <a:extLst>
               <a:ext uri="{FF2B5EF4-FFF2-40B4-BE49-F238E27FC236}">
-                <a16:creationId xmlns:a16="http://schemas.microsoft.com/office/drawing/2014/main" id="{2D023E22-1E3C-C83F-C9C6-5ED26F7AC819}"/>
+                <a16:creationId xmlns:a16="http://schemas.microsoft.com/office/drawing/2014/main" id="{A17C043F-A5D5-B2AF-A96E-17AE1EE05DE8}"/>
               </a:ext>
             </a:extLst>
           </p:cNvPr>
@@ -1450,7 +1450,7 @@
           <a:bodyPr/>
           <a:lstStyle/>
           <a:p>
-            <a:fld id="{F8EFA07D-8FA0-4AD7-91DF-584A3C07BCA7}" type="slidenum">
+            <a:fld id="{ADBF0754-ED59-41F8-91E5-3C7CF2068D79}" type="slidenum">
               <a:rPr lang="zh-CN" altLang="en-US" smtClean="0"/>
               <a:t>‹#›</a:t>
             </a:fld>
@@ -1461,7 +1461,7 @@
     </p:spTree>
     <p:extLst>
       <p:ext uri="{BB962C8B-B14F-4D97-AF65-F5344CB8AC3E}">
-        <p14:creationId xmlns:p14="http://schemas.microsoft.com/office/powerpoint/2010/main" val="4130305236"/>
+        <p14:creationId xmlns:p14="http://schemas.microsoft.com/office/powerpoint/2010/main" val="289183266"/>
       </p:ext>
     </p:extLst>
   </p:cSld>
@@ -1493,7 +1493,7 @@
           <p:cNvPr id="2" name="标题 1">
             <a:extLst>
               <a:ext uri="{FF2B5EF4-FFF2-40B4-BE49-F238E27FC236}">
-                <a16:creationId xmlns:a16="http://schemas.microsoft.com/office/drawing/2014/main" id="{17A66D50-7B88-64E3-38B4-D13F0BEB37A1}"/>
+                <a16:creationId xmlns:a16="http://schemas.microsoft.com/office/drawing/2014/main" id="{23151894-BC50-3B54-C085-3F68F25DA5B4}"/>
               </a:ext>
             </a:extLst>
           </p:cNvPr>
@@ -1526,7 +1526,7 @@
           <p:cNvPr id="3" name="文本占位符 2">
             <a:extLst>
               <a:ext uri="{FF2B5EF4-FFF2-40B4-BE49-F238E27FC236}">
-                <a16:creationId xmlns:a16="http://schemas.microsoft.com/office/drawing/2014/main" id="{CB0EFF8F-F023-A105-17D9-75485CACD125}"/>
+                <a16:creationId xmlns:a16="http://schemas.microsoft.com/office/drawing/2014/main" id="{E867391D-B48B-AF15-ACBC-791F5911228C}"/>
               </a:ext>
             </a:extLst>
           </p:cNvPr>
@@ -1597,7 +1597,7 @@
           <p:cNvPr id="4" name="内容占位符 3">
             <a:extLst>
               <a:ext uri="{FF2B5EF4-FFF2-40B4-BE49-F238E27FC236}">
-                <a16:creationId xmlns:a16="http://schemas.microsoft.com/office/drawing/2014/main" id="{EC2023A1-8C18-6660-052B-CE633C23EBC3}"/>
+                <a16:creationId xmlns:a16="http://schemas.microsoft.com/office/drawing/2014/main" id="{4D24E371-192F-BDEC-1102-45585381EEBE}"/>
               </a:ext>
             </a:extLst>
           </p:cNvPr>
@@ -1659,7 +1659,7 @@
           <p:cNvPr id="5" name="文本占位符 4">
             <a:extLst>
               <a:ext uri="{FF2B5EF4-FFF2-40B4-BE49-F238E27FC236}">
-                <a16:creationId xmlns:a16="http://schemas.microsoft.com/office/drawing/2014/main" id="{3F25F3D2-3AD4-FA6D-5BFA-09FFB4CD39B4}"/>
+                <a16:creationId xmlns:a16="http://schemas.microsoft.com/office/drawing/2014/main" id="{1EDC536A-4C4C-82E3-1B2C-EA4590F8D757}"/>
               </a:ext>
             </a:extLst>
           </p:cNvPr>
@@ -1730,7 +1730,7 @@
           <p:cNvPr id="6" name="内容占位符 5">
             <a:extLst>
               <a:ext uri="{FF2B5EF4-FFF2-40B4-BE49-F238E27FC236}">
-                <a16:creationId xmlns:a16="http://schemas.microsoft.com/office/drawing/2014/main" id="{C3709306-79C5-34FE-7626-50E39795EEAE}"/>
+                <a16:creationId xmlns:a16="http://schemas.microsoft.com/office/drawing/2014/main" id="{5CE4C642-16C3-7C41-6774-6B8249B580D3}"/>
               </a:ext>
             </a:extLst>
           </p:cNvPr>
@@ -1792,7 +1792,7 @@
           <p:cNvPr id="7" name="日期占位符 6">
             <a:extLst>
               <a:ext uri="{FF2B5EF4-FFF2-40B4-BE49-F238E27FC236}">
-                <a16:creationId xmlns:a16="http://schemas.microsoft.com/office/drawing/2014/main" id="{AFD31D93-49F9-C7A2-D3CB-023355033D49}"/>
+                <a16:creationId xmlns:a16="http://schemas.microsoft.com/office/drawing/2014/main" id="{C76C546B-F76B-66BF-C048-6EF6C4F9D345}"/>
               </a:ext>
             </a:extLst>
           </p:cNvPr>
@@ -1808,7 +1808,7 @@
           <a:bodyPr/>
           <a:lstStyle/>
           <a:p>
-            <a:fld id="{3CA46C46-19C0-4A42-83BB-EC1BBE2C83BE}" type="datetimeFigureOut">
+            <a:fld id="{B6AD2366-5F49-4742-9D74-2314FE3AC7A5}" type="datetimeFigureOut">
               <a:rPr lang="zh-CN" altLang="en-US" smtClean="0"/>
               <a:t>2024/3/10</a:t>
             </a:fld>
@@ -1821,7 +1821,7 @@
           <p:cNvPr id="8" name="页脚占位符 7">
             <a:extLst>
               <a:ext uri="{FF2B5EF4-FFF2-40B4-BE49-F238E27FC236}">
-                <a16:creationId xmlns:a16="http://schemas.microsoft.com/office/drawing/2014/main" id="{DC196DDD-04F4-1136-55B5-883A80CCB3D9}"/>
+                <a16:creationId xmlns:a16="http://schemas.microsoft.com/office/drawing/2014/main" id="{DFA50CDE-E6D6-781E-2DAB-B325020F01E2}"/>
               </a:ext>
             </a:extLst>
           </p:cNvPr>
@@ -1846,7 +1846,7 @@
           <p:cNvPr id="9" name="灯片编号占位符 8">
             <a:extLst>
               <a:ext uri="{FF2B5EF4-FFF2-40B4-BE49-F238E27FC236}">
-                <a16:creationId xmlns:a16="http://schemas.microsoft.com/office/drawing/2014/main" id="{BAE6998A-B621-336C-9DE4-E766FDCD9666}"/>
+                <a16:creationId xmlns:a16="http://schemas.microsoft.com/office/drawing/2014/main" id="{1C7DF4DD-4C2F-7E7F-6553-5722FABF79DD}"/>
               </a:ext>
             </a:extLst>
           </p:cNvPr>
@@ -1862,7 +1862,7 @@
           <a:bodyPr/>
           <a:lstStyle/>
           <a:p>
-            <a:fld id="{F8EFA07D-8FA0-4AD7-91DF-584A3C07BCA7}" type="slidenum">
+            <a:fld id="{ADBF0754-ED59-41F8-91E5-3C7CF2068D79}" type="slidenum">
               <a:rPr lang="zh-CN" altLang="en-US" smtClean="0"/>
               <a:t>‹#›</a:t>
             </a:fld>
@@ -1873,7 +1873,7 @@
     </p:spTree>
     <p:extLst>
       <p:ext uri="{BB962C8B-B14F-4D97-AF65-F5344CB8AC3E}">
-        <p14:creationId xmlns:p14="http://schemas.microsoft.com/office/powerpoint/2010/main" val="1728713538"/>
+        <p14:creationId xmlns:p14="http://schemas.microsoft.com/office/powerpoint/2010/main" val="2160857371"/>
       </p:ext>
     </p:extLst>
   </p:cSld>
@@ -1905,7 +1905,7 @@
           <p:cNvPr id="2" name="标题 1">
             <a:extLst>
               <a:ext uri="{FF2B5EF4-FFF2-40B4-BE49-F238E27FC236}">
-                <a16:creationId xmlns:a16="http://schemas.microsoft.com/office/drawing/2014/main" id="{C270496E-D01E-0D45-D7FB-E25D3FD409A8}"/>
+                <a16:creationId xmlns:a16="http://schemas.microsoft.com/office/drawing/2014/main" id="{D17046C6-3DBB-F9F4-77C8-96A6358F52EC}"/>
               </a:ext>
             </a:extLst>
           </p:cNvPr>
@@ -1933,7 +1933,7 @@
           <p:cNvPr id="3" name="日期占位符 2">
             <a:extLst>
               <a:ext uri="{FF2B5EF4-FFF2-40B4-BE49-F238E27FC236}">
-                <a16:creationId xmlns:a16="http://schemas.microsoft.com/office/drawing/2014/main" id="{29E9C29D-5AB8-3C1F-3619-A46A30DB2014}"/>
+                <a16:creationId xmlns:a16="http://schemas.microsoft.com/office/drawing/2014/main" id="{A15B1D17-4003-9302-B33E-0BFAE9B31BCC}"/>
               </a:ext>
             </a:extLst>
           </p:cNvPr>
@@ -1949,7 +1949,7 @@
           <a:bodyPr/>
           <a:lstStyle/>
           <a:p>
-            <a:fld id="{3CA46C46-19C0-4A42-83BB-EC1BBE2C83BE}" type="datetimeFigureOut">
+            <a:fld id="{B6AD2366-5F49-4742-9D74-2314FE3AC7A5}" type="datetimeFigureOut">
               <a:rPr lang="zh-CN" altLang="en-US" smtClean="0"/>
               <a:t>2024/3/10</a:t>
             </a:fld>
@@ -1962,7 +1962,7 @@
           <p:cNvPr id="4" name="页脚占位符 3">
             <a:extLst>
               <a:ext uri="{FF2B5EF4-FFF2-40B4-BE49-F238E27FC236}">
-                <a16:creationId xmlns:a16="http://schemas.microsoft.com/office/drawing/2014/main" id="{48C89570-9822-8F3C-0F69-03C714C89170}"/>
+                <a16:creationId xmlns:a16="http://schemas.microsoft.com/office/drawing/2014/main" id="{5E2EF63A-92EF-C6FE-8AFE-A2D71938F598}"/>
               </a:ext>
             </a:extLst>
           </p:cNvPr>
@@ -1987,7 +1987,7 @@
           <p:cNvPr id="5" name="灯片编号占位符 4">
             <a:extLst>
               <a:ext uri="{FF2B5EF4-FFF2-40B4-BE49-F238E27FC236}">
-                <a16:creationId xmlns:a16="http://schemas.microsoft.com/office/drawing/2014/main" id="{187C8B5A-7DE6-062E-5371-18978D1732BD}"/>
+                <a16:creationId xmlns:a16="http://schemas.microsoft.com/office/drawing/2014/main" id="{86172A68-99FD-EAD2-B0CE-7887C7FB805D}"/>
               </a:ext>
             </a:extLst>
           </p:cNvPr>
@@ -2003,7 +2003,7 @@
           <a:bodyPr/>
           <a:lstStyle/>
           <a:p>
-            <a:fld id="{F8EFA07D-8FA0-4AD7-91DF-584A3C07BCA7}" type="slidenum">
+            <a:fld id="{ADBF0754-ED59-41F8-91E5-3C7CF2068D79}" type="slidenum">
               <a:rPr lang="zh-CN" altLang="en-US" smtClean="0"/>
               <a:t>‹#›</a:t>
             </a:fld>
@@ -2014,7 +2014,7 @@
     </p:spTree>
     <p:extLst>
       <p:ext uri="{BB962C8B-B14F-4D97-AF65-F5344CB8AC3E}">
-        <p14:creationId xmlns:p14="http://schemas.microsoft.com/office/powerpoint/2010/main" val="799821205"/>
+        <p14:creationId xmlns:p14="http://schemas.microsoft.com/office/powerpoint/2010/main" val="296698761"/>
       </p:ext>
     </p:extLst>
   </p:cSld>
@@ -2046,7 +2046,7 @@
           <p:cNvPr id="2" name="日期占位符 1">
             <a:extLst>
               <a:ext uri="{FF2B5EF4-FFF2-40B4-BE49-F238E27FC236}">
-                <a16:creationId xmlns:a16="http://schemas.microsoft.com/office/drawing/2014/main" id="{BDEE1D93-4DBD-DB0B-15C0-6C1B6A6F7CD0}"/>
+                <a16:creationId xmlns:a16="http://schemas.microsoft.com/office/drawing/2014/main" id="{7D5EAADD-09AD-66F5-44FE-23A4B556AB47}"/>
               </a:ext>
             </a:extLst>
           </p:cNvPr>
@@ -2062,7 +2062,7 @@
           <a:bodyPr/>
           <a:lstStyle/>
           <a:p>
-            <a:fld id="{3CA46C46-19C0-4A42-83BB-EC1BBE2C83BE}" type="datetimeFigureOut">
+            <a:fld id="{B6AD2366-5F49-4742-9D74-2314FE3AC7A5}" type="datetimeFigureOut">
               <a:rPr lang="zh-CN" altLang="en-US" smtClean="0"/>
               <a:t>2024/3/10</a:t>
             </a:fld>
@@ -2075,7 +2075,7 @@
           <p:cNvPr id="3" name="页脚占位符 2">
             <a:extLst>
               <a:ext uri="{FF2B5EF4-FFF2-40B4-BE49-F238E27FC236}">
-                <a16:creationId xmlns:a16="http://schemas.microsoft.com/office/drawing/2014/main" id="{57E386F3-9466-5058-15FB-6F7CB025DE55}"/>
+                <a16:creationId xmlns:a16="http://schemas.microsoft.com/office/drawing/2014/main" id="{00A6BF23-93B2-79F7-80A5-F5DF46D49D39}"/>
               </a:ext>
             </a:extLst>
           </p:cNvPr>
@@ -2100,7 +2100,7 @@
           <p:cNvPr id="4" name="灯片编号占位符 3">
             <a:extLst>
               <a:ext uri="{FF2B5EF4-FFF2-40B4-BE49-F238E27FC236}">
-                <a16:creationId xmlns:a16="http://schemas.microsoft.com/office/drawing/2014/main" id="{E747C85A-2894-F5AB-DC06-7888F50C8825}"/>
+                <a16:creationId xmlns:a16="http://schemas.microsoft.com/office/drawing/2014/main" id="{4C05AF42-4A4E-54A0-B4B7-F1B6D97A4426}"/>
               </a:ext>
             </a:extLst>
           </p:cNvPr>
@@ -2116,7 +2116,7 @@
           <a:bodyPr/>
           <a:lstStyle/>
           <a:p>
-            <a:fld id="{F8EFA07D-8FA0-4AD7-91DF-584A3C07BCA7}" type="slidenum">
+            <a:fld id="{ADBF0754-ED59-41F8-91E5-3C7CF2068D79}" type="slidenum">
               <a:rPr lang="zh-CN" altLang="en-US" smtClean="0"/>
               <a:t>‹#›</a:t>
             </a:fld>
@@ -2127,7 +2127,7 @@
     </p:spTree>
     <p:extLst>
       <p:ext uri="{BB962C8B-B14F-4D97-AF65-F5344CB8AC3E}">
-        <p14:creationId xmlns:p14="http://schemas.microsoft.com/office/powerpoint/2010/main" val="1932706286"/>
+        <p14:creationId xmlns:p14="http://schemas.microsoft.com/office/powerpoint/2010/main" val="4274108433"/>
       </p:ext>
     </p:extLst>
   </p:cSld>
@@ -2159,7 +2159,7 @@
           <p:cNvPr id="2" name="标题 1">
             <a:extLst>
               <a:ext uri="{FF2B5EF4-FFF2-40B4-BE49-F238E27FC236}">
-                <a16:creationId xmlns:a16="http://schemas.microsoft.com/office/drawing/2014/main" id="{2A438452-8C95-1A3A-0968-02F8CBB11BB4}"/>
+                <a16:creationId xmlns:a16="http://schemas.microsoft.com/office/drawing/2014/main" id="{946AA997-41E8-AA16-8486-A03EAB6E07D3}"/>
               </a:ext>
             </a:extLst>
           </p:cNvPr>
@@ -2196,7 +2196,7 @@
           <p:cNvPr id="3" name="内容占位符 2">
             <a:extLst>
               <a:ext uri="{FF2B5EF4-FFF2-40B4-BE49-F238E27FC236}">
-                <a16:creationId xmlns:a16="http://schemas.microsoft.com/office/drawing/2014/main" id="{357F0A49-6C11-0124-7027-D1609C35FBE9}"/>
+                <a16:creationId xmlns:a16="http://schemas.microsoft.com/office/drawing/2014/main" id="{080B386E-CF65-F17A-561D-AA9D273C7854}"/>
               </a:ext>
             </a:extLst>
           </p:cNvPr>
@@ -2286,7 +2286,7 @@
           <p:cNvPr id="4" name="文本占位符 3">
             <a:extLst>
               <a:ext uri="{FF2B5EF4-FFF2-40B4-BE49-F238E27FC236}">
-                <a16:creationId xmlns:a16="http://schemas.microsoft.com/office/drawing/2014/main" id="{9CCBE64F-B25D-D77D-6E38-4C1421EBBBEE}"/>
+                <a16:creationId xmlns:a16="http://schemas.microsoft.com/office/drawing/2014/main" id="{45283936-C66E-5D69-3D9D-265ADF8D3445}"/>
               </a:ext>
             </a:extLst>
           </p:cNvPr>
@@ -2357,7 +2357,7 @@
           <p:cNvPr id="5" name="日期占位符 4">
             <a:extLst>
               <a:ext uri="{FF2B5EF4-FFF2-40B4-BE49-F238E27FC236}">
-                <a16:creationId xmlns:a16="http://schemas.microsoft.com/office/drawing/2014/main" id="{EAFD361F-C276-53DA-8A7D-06705D4D7FAA}"/>
+                <a16:creationId xmlns:a16="http://schemas.microsoft.com/office/drawing/2014/main" id="{C84EB606-0478-1E44-4AA3-A6E7B3A82286}"/>
               </a:ext>
             </a:extLst>
           </p:cNvPr>
@@ -2373,7 +2373,7 @@
           <a:bodyPr/>
           <a:lstStyle/>
           <a:p>
-            <a:fld id="{3CA46C46-19C0-4A42-83BB-EC1BBE2C83BE}" type="datetimeFigureOut">
+            <a:fld id="{B6AD2366-5F49-4742-9D74-2314FE3AC7A5}" type="datetimeFigureOut">
               <a:rPr lang="zh-CN" altLang="en-US" smtClean="0"/>
               <a:t>2024/3/10</a:t>
             </a:fld>
@@ -2386,7 +2386,7 @@
           <p:cNvPr id="6" name="页脚占位符 5">
             <a:extLst>
               <a:ext uri="{FF2B5EF4-FFF2-40B4-BE49-F238E27FC236}">
-                <a16:creationId xmlns:a16="http://schemas.microsoft.com/office/drawing/2014/main" id="{70644A3A-3401-7A56-4D50-AEADA3F9B1BA}"/>
+                <a16:creationId xmlns:a16="http://schemas.microsoft.com/office/drawing/2014/main" id="{724D5445-8E2E-B409-8629-6B5AE78BE555}"/>
               </a:ext>
             </a:extLst>
           </p:cNvPr>
@@ -2411,7 +2411,7 @@
           <p:cNvPr id="7" name="灯片编号占位符 6">
             <a:extLst>
               <a:ext uri="{FF2B5EF4-FFF2-40B4-BE49-F238E27FC236}">
-                <a16:creationId xmlns:a16="http://schemas.microsoft.com/office/drawing/2014/main" id="{BB03F30C-4457-73C3-4B6E-0DE48C6F72BE}"/>
+                <a16:creationId xmlns:a16="http://schemas.microsoft.com/office/drawing/2014/main" id="{2A136A44-1455-CFD8-7FA8-5F310BF06F9B}"/>
               </a:ext>
             </a:extLst>
           </p:cNvPr>
@@ -2427,7 +2427,7 @@
           <a:bodyPr/>
           <a:lstStyle/>
           <a:p>
-            <a:fld id="{F8EFA07D-8FA0-4AD7-91DF-584A3C07BCA7}" type="slidenum">
+            <a:fld id="{ADBF0754-ED59-41F8-91E5-3C7CF2068D79}" type="slidenum">
               <a:rPr lang="zh-CN" altLang="en-US" smtClean="0"/>
               <a:t>‹#›</a:t>
             </a:fld>
@@ -2438,7 +2438,7 @@
     </p:spTree>
     <p:extLst>
       <p:ext uri="{BB962C8B-B14F-4D97-AF65-F5344CB8AC3E}">
-        <p14:creationId xmlns:p14="http://schemas.microsoft.com/office/powerpoint/2010/main" val="189753937"/>
+        <p14:creationId xmlns:p14="http://schemas.microsoft.com/office/powerpoint/2010/main" val="409615327"/>
       </p:ext>
     </p:extLst>
   </p:cSld>
@@ -2470,7 +2470,7 @@
           <p:cNvPr id="2" name="标题 1">
             <a:extLst>
               <a:ext uri="{FF2B5EF4-FFF2-40B4-BE49-F238E27FC236}">
-                <a16:creationId xmlns:a16="http://schemas.microsoft.com/office/drawing/2014/main" id="{998302CC-494A-A531-D7AE-083934CB4C08}"/>
+                <a16:creationId xmlns:a16="http://schemas.microsoft.com/office/drawing/2014/main" id="{16FEE64B-3B47-87D4-7487-BBC45AB2F1D4}"/>
               </a:ext>
             </a:extLst>
           </p:cNvPr>
@@ -2507,7 +2507,7 @@
           <p:cNvPr id="3" name="图片占位符 2">
             <a:extLst>
               <a:ext uri="{FF2B5EF4-FFF2-40B4-BE49-F238E27FC236}">
-                <a16:creationId xmlns:a16="http://schemas.microsoft.com/office/drawing/2014/main" id="{9C641AA6-1422-0269-194A-82C814F8456F}"/>
+                <a16:creationId xmlns:a16="http://schemas.microsoft.com/office/drawing/2014/main" id="{30F0635D-5233-FDF7-4E8A-8C2BC2D8AD8A}"/>
               </a:ext>
             </a:extLst>
           </p:cNvPr>
@@ -2574,7 +2574,7 @@
           <p:cNvPr id="4" name="文本占位符 3">
             <a:extLst>
               <a:ext uri="{FF2B5EF4-FFF2-40B4-BE49-F238E27FC236}">
-                <a16:creationId xmlns:a16="http://schemas.microsoft.com/office/drawing/2014/main" id="{6D529710-AA60-51D2-30FB-63B63F60D1BB}"/>
+                <a16:creationId xmlns:a16="http://schemas.microsoft.com/office/drawing/2014/main" id="{C987A90D-1289-FC16-0194-0E238F68492D}"/>
               </a:ext>
             </a:extLst>
           </p:cNvPr>
@@ -2645,7 +2645,7 @@
           <p:cNvPr id="5" name="日期占位符 4">
             <a:extLst>
               <a:ext uri="{FF2B5EF4-FFF2-40B4-BE49-F238E27FC236}">
-                <a16:creationId xmlns:a16="http://schemas.microsoft.com/office/drawing/2014/main" id="{DD1A5EB3-D4F9-5A37-9BB6-38C3F35FF289}"/>
+                <a16:creationId xmlns:a16="http://schemas.microsoft.com/office/drawing/2014/main" id="{DDF5F7CF-3DDF-0C20-3F2B-EE40FCF42F58}"/>
               </a:ext>
             </a:extLst>
           </p:cNvPr>
@@ -2661,7 +2661,7 @@
           <a:bodyPr/>
           <a:lstStyle/>
           <a:p>
-            <a:fld id="{3CA46C46-19C0-4A42-83BB-EC1BBE2C83BE}" type="datetimeFigureOut">
+            <a:fld id="{B6AD2366-5F49-4742-9D74-2314FE3AC7A5}" type="datetimeFigureOut">
               <a:rPr lang="zh-CN" altLang="en-US" smtClean="0"/>
               <a:t>2024/3/10</a:t>
             </a:fld>
@@ -2674,7 +2674,7 @@
           <p:cNvPr id="6" name="页脚占位符 5">
             <a:extLst>
               <a:ext uri="{FF2B5EF4-FFF2-40B4-BE49-F238E27FC236}">
-                <a16:creationId xmlns:a16="http://schemas.microsoft.com/office/drawing/2014/main" id="{E0280320-DB6D-6256-FCAD-39713E91981F}"/>
+                <a16:creationId xmlns:a16="http://schemas.microsoft.com/office/drawing/2014/main" id="{5C1F3710-40AC-C032-4D70-D263654DBDD8}"/>
               </a:ext>
             </a:extLst>
           </p:cNvPr>
@@ -2699,7 +2699,7 @@
           <p:cNvPr id="7" name="灯片编号占位符 6">
             <a:extLst>
               <a:ext uri="{FF2B5EF4-FFF2-40B4-BE49-F238E27FC236}">
-                <a16:creationId xmlns:a16="http://schemas.microsoft.com/office/drawing/2014/main" id="{25EFF2F4-45B6-690E-1DA9-7075E15FDD91}"/>
+                <a16:creationId xmlns:a16="http://schemas.microsoft.com/office/drawing/2014/main" id="{39B4CB85-32D0-6A46-6898-39A698C2D23A}"/>
               </a:ext>
             </a:extLst>
           </p:cNvPr>
@@ -2715,7 +2715,7 @@
           <a:bodyPr/>
           <a:lstStyle/>
           <a:p>
-            <a:fld id="{F8EFA07D-8FA0-4AD7-91DF-584A3C07BCA7}" type="slidenum">
+            <a:fld id="{ADBF0754-ED59-41F8-91E5-3C7CF2068D79}" type="slidenum">
               <a:rPr lang="zh-CN" altLang="en-US" smtClean="0"/>
               <a:t>‹#›</a:t>
             </a:fld>
@@ -2726,7 +2726,7 @@
     </p:spTree>
     <p:extLst>
       <p:ext uri="{BB962C8B-B14F-4D97-AF65-F5344CB8AC3E}">
-        <p14:creationId xmlns:p14="http://schemas.microsoft.com/office/powerpoint/2010/main" val="2857908089"/>
+        <p14:creationId xmlns:p14="http://schemas.microsoft.com/office/powerpoint/2010/main" val="343260262"/>
       </p:ext>
     </p:extLst>
   </p:cSld>
@@ -2763,7 +2763,7 @@
           <p:cNvPr id="2" name="标题占位符 1">
             <a:extLst>
               <a:ext uri="{FF2B5EF4-FFF2-40B4-BE49-F238E27FC236}">
-                <a16:creationId xmlns:a16="http://schemas.microsoft.com/office/drawing/2014/main" id="{2A6B69BF-8ED2-66BF-5109-4AEB9728B32D}"/>
+                <a16:creationId xmlns:a16="http://schemas.microsoft.com/office/drawing/2014/main" id="{18E4A515-0097-1FB7-8A8C-1931E0710194}"/>
               </a:ext>
             </a:extLst>
           </p:cNvPr>
@@ -2801,7 +2801,7 @@
           <p:cNvPr id="3" name="文本占位符 2">
             <a:extLst>
               <a:ext uri="{FF2B5EF4-FFF2-40B4-BE49-F238E27FC236}">
-                <a16:creationId xmlns:a16="http://schemas.microsoft.com/office/drawing/2014/main" id="{84B06D92-6AFA-5A16-2FD9-9F2E96820C06}"/>
+                <a16:creationId xmlns:a16="http://schemas.microsoft.com/office/drawing/2014/main" id="{CC2BC88C-376B-63AE-9FF5-56E49E7C964A}"/>
               </a:ext>
             </a:extLst>
           </p:cNvPr>
@@ -2868,7 +2868,7 @@
           <p:cNvPr id="4" name="日期占位符 3">
             <a:extLst>
               <a:ext uri="{FF2B5EF4-FFF2-40B4-BE49-F238E27FC236}">
-                <a16:creationId xmlns:a16="http://schemas.microsoft.com/office/drawing/2014/main" id="{8C7D62AD-06AB-2328-5A38-0E127A52E30A}"/>
+                <a16:creationId xmlns:a16="http://schemas.microsoft.com/office/drawing/2014/main" id="{5340566C-2F6A-6D24-A681-A341A6D219DC}"/>
               </a:ext>
             </a:extLst>
           </p:cNvPr>
@@ -2902,7 +2902,7 @@
             </a:lvl1pPr>
           </a:lstStyle>
           <a:p>
-            <a:fld id="{3CA46C46-19C0-4A42-83BB-EC1BBE2C83BE}" type="datetimeFigureOut">
+            <a:fld id="{B6AD2366-5F49-4742-9D74-2314FE3AC7A5}" type="datetimeFigureOut">
               <a:rPr lang="zh-CN" altLang="en-US" smtClean="0"/>
               <a:t>2024/3/10</a:t>
             </a:fld>
@@ -2915,7 +2915,7 @@
           <p:cNvPr id="5" name="页脚占位符 4">
             <a:extLst>
               <a:ext uri="{FF2B5EF4-FFF2-40B4-BE49-F238E27FC236}">
-                <a16:creationId xmlns:a16="http://schemas.microsoft.com/office/drawing/2014/main" id="{DC29E08D-4A1C-B9D2-ED79-A1406E33357F}"/>
+                <a16:creationId xmlns:a16="http://schemas.microsoft.com/office/drawing/2014/main" id="{C3A4F7BB-2838-D624-29EA-2CFE4D1574F8}"/>
               </a:ext>
             </a:extLst>
           </p:cNvPr>
@@ -2958,7 +2958,7 @@
           <p:cNvPr id="6" name="灯片编号占位符 5">
             <a:extLst>
               <a:ext uri="{FF2B5EF4-FFF2-40B4-BE49-F238E27FC236}">
-                <a16:creationId xmlns:a16="http://schemas.microsoft.com/office/drawing/2014/main" id="{BE5970A8-A429-1EF6-F63D-FC35616F951F}"/>
+                <a16:creationId xmlns:a16="http://schemas.microsoft.com/office/drawing/2014/main" id="{8B9D088B-D9B2-D62B-6654-D2E4D39D1C0C}"/>
               </a:ext>
             </a:extLst>
           </p:cNvPr>
@@ -2992,7 +2992,7 @@
             </a:lvl1pPr>
           </a:lstStyle>
           <a:p>
-            <a:fld id="{F8EFA07D-8FA0-4AD7-91DF-584A3C07BCA7}" type="slidenum">
+            <a:fld id="{ADBF0754-ED59-41F8-91E5-3C7CF2068D79}" type="slidenum">
               <a:rPr lang="zh-CN" altLang="en-US" smtClean="0"/>
               <a:t>‹#›</a:t>
             </a:fld>
@@ -3003,7 +3003,7 @@
     </p:spTree>
     <p:extLst>
       <p:ext uri="{BB962C8B-B14F-4D97-AF65-F5344CB8AC3E}">
-        <p14:creationId xmlns:p14="http://schemas.microsoft.com/office/powerpoint/2010/main" val="1002482392"/>
+        <p14:creationId xmlns:p14="http://schemas.microsoft.com/office/powerpoint/2010/main" val="727921373"/>
       </p:ext>
     </p:extLst>
   </p:cSld>
